--- a/webinar.pptx
+++ b/webinar.pptx
@@ -115,6 +115,11 @@
       </a:defRPr>
     </a:lvl9pPr>
   </p:defaultTextStyle>
+  <p:extLst>
+    <p:ext uri="{EFAFB233-063F-42B5-8137-9DF3F51BA10A}">
+      <p15:sldGuideLst xmlns:p15="http://schemas.microsoft.com/office/powerpoint/2012/main"/>
+    </p:ext>
+  </p:extLst>
 </p:presentation>
 </file>
 
@@ -362,7 +367,7 @@
           <a:p>
             <a:fld id="{9184DA70-C731-4C70-880D-CCD4705E623C}" type="datetime1">
               <a:rPr lang="en-US" smtClean="0"/>
-              <a:t>11/23/2020</a:t>
+              <a:t>11/25/2020</a:t>
             </a:fld>
             <a:endParaRPr lang="en-US" dirty="0"/>
           </a:p>
@@ -550,7 +555,7 @@
           <a:p>
             <a:fld id="{B612A279-0833-481D-8C56-F67FD0AC6C50}" type="datetime1">
               <a:rPr lang="en-US" smtClean="0"/>
-              <a:t>11/23/2020</a:t>
+              <a:t>11/25/2020</a:t>
             </a:fld>
             <a:endParaRPr lang="en-US" dirty="0"/>
           </a:p>
@@ -792,7 +797,7 @@
           <a:p>
             <a:fld id="{6587DA83-5663-4C9C-B9AA-0B40A3DAFF81}" type="datetime1">
               <a:rPr lang="en-US" smtClean="0"/>
-              <a:t>11/23/2020</a:t>
+              <a:t>11/25/2020</a:t>
             </a:fld>
             <a:endParaRPr lang="en-US" dirty="0"/>
           </a:p>
@@ -980,7 +985,7 @@
           <a:p>
             <a:fld id="{4BE1D723-8F53-4F53-90B0-1982A396982E}" type="datetime1">
               <a:rPr lang="en-US" smtClean="0"/>
-              <a:t>11/23/2020</a:t>
+              <a:t>11/25/2020</a:t>
             </a:fld>
             <a:endParaRPr lang="en-US" dirty="0"/>
           </a:p>
@@ -1353,7 +1358,7 @@
           <a:p>
             <a:fld id="{97669AF7-7BEB-44E4-9852-375E34362B5B}" type="datetime1">
               <a:rPr lang="en-US" smtClean="0"/>
-              <a:t>11/23/2020</a:t>
+              <a:t>11/25/2020</a:t>
             </a:fld>
             <a:endParaRPr lang="en-US" dirty="0"/>
           </a:p>
@@ -1608,7 +1613,7 @@
           <a:p>
             <a:fld id="{BAAAC38D-0552-4C82-B593-E6124DFADBE2}" type="datetime1">
               <a:rPr lang="en-US" smtClean="0"/>
-              <a:t>11/23/2020</a:t>
+              <a:t>11/25/2020</a:t>
             </a:fld>
             <a:endParaRPr lang="en-US" dirty="0"/>
           </a:p>
@@ -2005,7 +2010,7 @@
           <a:p>
             <a:fld id="{D9DF0F1C-5577-4ACB-BB62-DF8F3C494C7E}" type="datetime1">
               <a:rPr lang="en-US" smtClean="0"/>
-              <a:t>11/23/2020</a:t>
+              <a:t>11/25/2020</a:t>
             </a:fld>
             <a:endParaRPr lang="en-US" dirty="0"/>
           </a:p>
@@ -2141,7 +2146,7 @@
           <a:p>
             <a:fld id="{1775B394-D9F9-4F0C-B15D-605F45CB9E9F}" type="datetime1">
               <a:rPr lang="en-US" smtClean="0"/>
-              <a:t>11/23/2020</a:t>
+              <a:t>11/25/2020</a:t>
             </a:fld>
             <a:endParaRPr lang="en-US" dirty="0"/>
           </a:p>
@@ -2298,7 +2303,7 @@
           <a:p>
             <a:fld id="{39667345-2558-425A-8533-9BFDBCE15005}" type="datetime1">
               <a:rPr lang="en-US" smtClean="0"/>
-              <a:t>11/23/2020</a:t>
+              <a:t>11/25/2020</a:t>
             </a:fld>
             <a:endParaRPr lang="en-US" dirty="0"/>
           </a:p>
@@ -2627,7 +2632,7 @@
           <a:p>
             <a:fld id="{92BEA474-078D-4E9B-9B14-09A87B19DC46}" type="datetime1">
               <a:rPr lang="en-US" smtClean="0"/>
-              <a:t>11/23/2020</a:t>
+              <a:t>11/25/2020</a:t>
             </a:fld>
             <a:endParaRPr lang="en-US" dirty="0"/>
           </a:p>
@@ -2977,7 +2982,7 @@
           <a:p>
             <a:fld id="{4907D986-8816-4272-A432-0437A28A9828}" type="datetime1">
               <a:rPr lang="en-US" smtClean="0"/>
-              <a:t>11/23/2020</a:t>
+              <a:t>11/25/2020</a:t>
             </a:fld>
             <a:endParaRPr lang="en-US" dirty="0"/>
           </a:p>
@@ -3238,7 +3243,7 @@
           <a:p>
             <a:fld id="{62D6E202-B606-4609-B914-27C9371A1F6D}" type="datetime1">
               <a:rPr lang="en-US" smtClean="0"/>
-              <a:t>11/23/2020</a:t>
+              <a:t>11/25/2020</a:t>
             </a:fld>
             <a:endParaRPr lang="en-US" dirty="0"/>
           </a:p>
@@ -4072,6 +4077,47 @@
           </a:fontRef>
         </p:style>
       </p:cxnSp>
+      <p:pic>
+        <p:nvPicPr>
+          <p:cNvPr id="7" name="Billede 6" descr="C:\Users\lone2012\AppData\Local\Microsoft\Windows\Temporary Internet Files\Content.Outlook\ZI0Y1SVV\Logo email_2000 (2).png">
+            <a:extLst>
+              <a:ext uri="{FF2B5EF4-FFF2-40B4-BE49-F238E27FC236}">
+                <a16:creationId xmlns:a16="http://schemas.microsoft.com/office/drawing/2014/main" id="{63EF5F65-BEB1-42EC-9E94-6DEF6A7170F1}"/>
+              </a:ext>
+            </a:extLst>
+          </p:cNvPr>
+          <p:cNvPicPr preferRelativeResize="0">
+            <a:picLocks noChangeAspect="1"/>
+          </p:cNvPicPr>
+          <p:nvPr/>
+        </p:nvPicPr>
+        <p:blipFill>
+          <a:blip r:embed="rId3" cstate="print">
+            <a:extLst>
+              <a:ext uri="{28A0092B-C50C-407E-A947-70E740481C1C}">
+                <a14:useLocalDpi xmlns:a14="http://schemas.microsoft.com/office/drawing/2010/main" val="0"/>
+              </a:ext>
+            </a:extLst>
+          </a:blip>
+          <a:srcRect/>
+          <a:stretch>
+            <a:fillRect/>
+          </a:stretch>
+        </p:blipFill>
+        <p:spPr bwMode="auto">
+          <a:xfrm>
+            <a:off x="0" y="5862663"/>
+            <a:ext cx="1586053" cy="1016347"/>
+          </a:xfrm>
+          <a:prstGeom prst="rect">
+            <a:avLst/>
+          </a:prstGeom>
+          <a:noFill/>
+          <a:ln>
+            <a:noFill/>
+          </a:ln>
+        </p:spPr>
+      </p:pic>
     </p:spTree>
     <p:extLst>
       <p:ext uri="{BB962C8B-B14F-4D97-AF65-F5344CB8AC3E}">
@@ -5358,6 +5404,47 @@
           </a:fontRef>
         </p:style>
       </p:sp>
+      <p:pic>
+        <p:nvPicPr>
+          <p:cNvPr id="8" name="Billede 6" descr="C:\Users\lone2012\AppData\Local\Microsoft\Windows\Temporary Internet Files\Content.Outlook\ZI0Y1SVV\Logo email_2000 (2).png">
+            <a:extLst>
+              <a:ext uri="{FF2B5EF4-FFF2-40B4-BE49-F238E27FC236}">
+                <a16:creationId xmlns:a16="http://schemas.microsoft.com/office/drawing/2014/main" id="{D9ED80F3-2754-4FD8-8BBB-5E4DB6C73033}"/>
+              </a:ext>
+            </a:extLst>
+          </p:cNvPr>
+          <p:cNvPicPr preferRelativeResize="0">
+            <a:picLocks noChangeAspect="1"/>
+          </p:cNvPicPr>
+          <p:nvPr/>
+        </p:nvPicPr>
+        <p:blipFill>
+          <a:blip r:embed="rId3" cstate="print">
+            <a:extLst>
+              <a:ext uri="{28A0092B-C50C-407E-A947-70E740481C1C}">
+                <a14:useLocalDpi xmlns:a14="http://schemas.microsoft.com/office/drawing/2010/main" val="0"/>
+              </a:ext>
+            </a:extLst>
+          </a:blip>
+          <a:srcRect/>
+          <a:stretch>
+            <a:fillRect/>
+          </a:stretch>
+        </p:blipFill>
+        <p:spPr bwMode="auto">
+          <a:xfrm>
+            <a:off x="10605947" y="5360918"/>
+            <a:ext cx="1586053" cy="1016347"/>
+          </a:xfrm>
+          <a:prstGeom prst="rect">
+            <a:avLst/>
+          </a:prstGeom>
+          <a:noFill/>
+          <a:ln>
+            <a:noFill/>
+          </a:ln>
+        </p:spPr>
+      </p:pic>
     </p:spTree>
     <p:extLst>
       <p:ext uri="{BB962C8B-B14F-4D97-AF65-F5344CB8AC3E}">
@@ -6032,6 +6119,47 @@
               </a14:hiddenFill>
             </a:ext>
           </a:extLst>
+        </p:spPr>
+      </p:pic>
+      <p:pic>
+        <p:nvPicPr>
+          <p:cNvPr id="8" name="Billede 6" descr="C:\Users\lone2012\AppData\Local\Microsoft\Windows\Temporary Internet Files\Content.Outlook\ZI0Y1SVV\Logo email_2000 (2).png">
+            <a:extLst>
+              <a:ext uri="{FF2B5EF4-FFF2-40B4-BE49-F238E27FC236}">
+                <a16:creationId xmlns:a16="http://schemas.microsoft.com/office/drawing/2014/main" id="{8672DF08-4D15-453D-B2E1-E8248A76B42A}"/>
+              </a:ext>
+            </a:extLst>
+          </p:cNvPr>
+          <p:cNvPicPr preferRelativeResize="0">
+            <a:picLocks noChangeAspect="1"/>
+          </p:cNvPicPr>
+          <p:nvPr/>
+        </p:nvPicPr>
+        <p:blipFill>
+          <a:blip r:embed="rId4" cstate="print">
+            <a:extLst>
+              <a:ext uri="{28A0092B-C50C-407E-A947-70E740481C1C}">
+                <a14:useLocalDpi xmlns:a14="http://schemas.microsoft.com/office/drawing/2010/main" val="0"/>
+              </a:ext>
+            </a:extLst>
+          </a:blip>
+          <a:srcRect/>
+          <a:stretch>
+            <a:fillRect/>
+          </a:stretch>
+        </p:blipFill>
+        <p:spPr bwMode="auto">
+          <a:xfrm>
+            <a:off x="10605947" y="5360919"/>
+            <a:ext cx="1586053" cy="1016347"/>
+          </a:xfrm>
+          <a:prstGeom prst="rect">
+            <a:avLst/>
+          </a:prstGeom>
+          <a:noFill/>
+          <a:ln>
+            <a:noFill/>
+          </a:ln>
         </p:spPr>
       </p:pic>
     </p:spTree>
@@ -6884,6 +7012,47 @@
               </a14:hiddenFill>
             </a:ext>
           </a:extLst>
+        </p:spPr>
+      </p:pic>
+      <p:pic>
+        <p:nvPicPr>
+          <p:cNvPr id="9" name="Billede 6" descr="C:\Users\lone2012\AppData\Local\Microsoft\Windows\Temporary Internet Files\Content.Outlook\ZI0Y1SVV\Logo email_2000 (2).png">
+            <a:extLst>
+              <a:ext uri="{FF2B5EF4-FFF2-40B4-BE49-F238E27FC236}">
+                <a16:creationId xmlns:a16="http://schemas.microsoft.com/office/drawing/2014/main" id="{B116464A-BAB0-49FE-8584-CB0A15C1F180}"/>
+              </a:ext>
+            </a:extLst>
+          </p:cNvPr>
+          <p:cNvPicPr preferRelativeResize="0">
+            <a:picLocks noChangeAspect="1"/>
+          </p:cNvPicPr>
+          <p:nvPr/>
+        </p:nvPicPr>
+        <p:blipFill>
+          <a:blip r:embed="rId3" cstate="print">
+            <a:extLst>
+              <a:ext uri="{28A0092B-C50C-407E-A947-70E740481C1C}">
+                <a14:useLocalDpi xmlns:a14="http://schemas.microsoft.com/office/drawing/2010/main" val="0"/>
+              </a:ext>
+            </a:extLst>
+          </a:blip>
+          <a:srcRect/>
+          <a:stretch>
+            <a:fillRect/>
+          </a:stretch>
+        </p:blipFill>
+        <p:spPr bwMode="auto">
+          <a:xfrm>
+            <a:off x="10605947" y="5326342"/>
+            <a:ext cx="1586053" cy="1016347"/>
+          </a:xfrm>
+          <a:prstGeom prst="rect">
+            <a:avLst/>
+          </a:prstGeom>
+          <a:noFill/>
+          <a:ln>
+            <a:noFill/>
+          </a:ln>
         </p:spPr>
       </p:pic>
     </p:spTree>
@@ -8877,6 +9046,12 @@
           <a:prstGeom prst="rect">
             <a:avLst/>
           </a:prstGeom>
+          <a:solidFill>
+            <a:schemeClr val="accent4">
+              <a:lumMod val="60000"/>
+              <a:lumOff val="40000"/>
+            </a:schemeClr>
+          </a:solidFill>
         </p:spPr>
         <p:style>
           <a:lnRef idx="1">
@@ -8899,119 +9074,227 @@
           <a:lstStyle/>
           <a:p>
             <a:r>
-              <a:rPr lang="en-US" sz="1200" dirty="0"/>
+              <a:rPr lang="en-US" sz="1200" dirty="0">
+                <a:solidFill>
+                  <a:schemeClr val="bg1"/>
+                </a:solidFill>
+              </a:rPr>
               <a:t>NordicPlot &lt;- ggplot(data = </a:t>
             </a:r>
             <a:r>
-              <a:rPr lang="en-US" sz="1200" dirty="0" err="1"/>
+              <a:rPr lang="en-US" sz="1200" dirty="0" err="1">
+                <a:solidFill>
+                  <a:schemeClr val="bg1"/>
+                </a:solidFill>
+              </a:rPr>
               <a:t>NordicSpendList</a:t>
             </a:r>
             <a:r>
-              <a:rPr lang="en-US" sz="1200" dirty="0"/>
+              <a:rPr lang="en-US" sz="1200" dirty="0">
+                <a:solidFill>
+                  <a:schemeClr val="bg1"/>
+                </a:solidFill>
+              </a:rPr>
               <a:t>, </a:t>
             </a:r>
             <a:r>
-              <a:rPr lang="en-US" sz="1200" dirty="0" err="1"/>
+              <a:rPr lang="en-US" sz="1200" dirty="0" err="1">
+                <a:solidFill>
+                  <a:schemeClr val="bg1"/>
+                </a:solidFill>
+              </a:rPr>
               <a:t>aes</a:t>
             </a:r>
             <a:r>
-              <a:rPr lang="en-US" sz="1200" dirty="0"/>
+              <a:rPr lang="en-US" sz="1200" dirty="0">
+                <a:solidFill>
+                  <a:schemeClr val="bg1"/>
+                </a:solidFill>
+              </a:rPr>
               <a:t>(x = Year, y = Spend, group = </a:t>
             </a:r>
             <a:r>
-              <a:rPr lang="en-US" sz="1200" dirty="0" err="1"/>
+              <a:rPr lang="en-US" sz="1200" dirty="0" err="1">
+                <a:solidFill>
+                  <a:schemeClr val="bg1"/>
+                </a:solidFill>
+              </a:rPr>
               <a:t>CountryName</a:t>
             </a:r>
             <a:r>
-              <a:rPr lang="en-US" sz="1200" dirty="0"/>
+              <a:rPr lang="en-US" sz="1200" dirty="0">
+                <a:solidFill>
+                  <a:schemeClr val="bg1"/>
+                </a:solidFill>
+              </a:rPr>
               <a:t>)) +</a:t>
             </a:r>
           </a:p>
           <a:p>
             <a:r>
-              <a:rPr lang="en-US" sz="1200" dirty="0"/>
+              <a:rPr lang="en-US" sz="1200" dirty="0">
+                <a:solidFill>
+                  <a:schemeClr val="bg1"/>
+                </a:solidFill>
+              </a:rPr>
               <a:t>        </a:t>
             </a:r>
             <a:r>
-              <a:rPr lang="en-US" sz="1200" dirty="0" err="1"/>
+              <a:rPr lang="en-US" sz="1200" dirty="0" err="1">
+                <a:solidFill>
+                  <a:schemeClr val="bg1"/>
+                </a:solidFill>
+              </a:rPr>
               <a:t>geom_line</a:t>
             </a:r>
             <a:r>
-              <a:rPr lang="en-US" sz="1200" dirty="0"/>
+              <a:rPr lang="en-US" sz="1200" dirty="0">
+                <a:solidFill>
+                  <a:schemeClr val="bg1"/>
+                </a:solidFill>
+              </a:rPr>
               <a:t>(</a:t>
             </a:r>
             <a:r>
-              <a:rPr lang="en-US" sz="1200" dirty="0" err="1"/>
+              <a:rPr lang="en-US" sz="1200" dirty="0" err="1">
+                <a:solidFill>
+                  <a:schemeClr val="bg1"/>
+                </a:solidFill>
+              </a:rPr>
               <a:t>aes</a:t>
             </a:r>
             <a:r>
-              <a:rPr lang="en-US" sz="1200" dirty="0"/>
+              <a:rPr lang="en-US" sz="1200" dirty="0">
+                <a:solidFill>
+                  <a:schemeClr val="bg1"/>
+                </a:solidFill>
+              </a:rPr>
               <a:t>(color=</a:t>
             </a:r>
             <a:r>
-              <a:rPr lang="en-US" sz="1200" dirty="0" err="1"/>
+              <a:rPr lang="en-US" sz="1200" dirty="0" err="1">
+                <a:solidFill>
+                  <a:schemeClr val="bg1"/>
+                </a:solidFill>
+              </a:rPr>
               <a:t>CountryName</a:t>
             </a:r>
             <a:r>
-              <a:rPr lang="en-US" sz="1200" dirty="0"/>
+              <a:rPr lang="en-US" sz="1200" dirty="0">
+                <a:solidFill>
+                  <a:schemeClr val="bg1"/>
+                </a:solidFill>
+              </a:rPr>
               <a:t>)) +</a:t>
             </a:r>
           </a:p>
           <a:p>
             <a:r>
-              <a:rPr lang="en-US" sz="1200" dirty="0"/>
+              <a:rPr lang="en-US" sz="1200" dirty="0">
+                <a:solidFill>
+                  <a:schemeClr val="bg1"/>
+                </a:solidFill>
+              </a:rPr>
               <a:t>        </a:t>
             </a:r>
             <a:r>
-              <a:rPr lang="en-US" sz="1200" dirty="0" err="1"/>
+              <a:rPr lang="en-US" sz="1200" dirty="0" err="1">
+                <a:solidFill>
+                  <a:schemeClr val="bg1"/>
+                </a:solidFill>
+              </a:rPr>
               <a:t>geom_point</a:t>
             </a:r>
             <a:r>
-              <a:rPr lang="en-US" sz="1200" dirty="0"/>
+              <a:rPr lang="en-US" sz="1200" dirty="0">
+                <a:solidFill>
+                  <a:schemeClr val="bg1"/>
+                </a:solidFill>
+              </a:rPr>
               <a:t>(</a:t>
             </a:r>
             <a:r>
-              <a:rPr lang="en-US" sz="1200" dirty="0" err="1"/>
+              <a:rPr lang="en-US" sz="1200" dirty="0" err="1">
+                <a:solidFill>
+                  <a:schemeClr val="bg1"/>
+                </a:solidFill>
+              </a:rPr>
               <a:t>aes</a:t>
             </a:r>
             <a:r>
-              <a:rPr lang="en-US" sz="1200" dirty="0"/>
+              <a:rPr lang="en-US" sz="1200" dirty="0">
+                <a:solidFill>
+                  <a:schemeClr val="bg1"/>
+                </a:solidFill>
+              </a:rPr>
               <a:t>(color=</a:t>
             </a:r>
             <a:r>
-              <a:rPr lang="en-US" sz="1200" dirty="0" err="1"/>
+              <a:rPr lang="en-US" sz="1200" dirty="0" err="1">
+                <a:solidFill>
+                  <a:schemeClr val="bg1"/>
+                </a:solidFill>
+              </a:rPr>
               <a:t>CountryName</a:t>
             </a:r>
             <a:r>
-              <a:rPr lang="en-US" sz="1200" dirty="0"/>
+              <a:rPr lang="en-US" sz="1200" dirty="0">
+                <a:solidFill>
+                  <a:schemeClr val="bg1"/>
+                </a:solidFill>
+              </a:rPr>
               <a:t>)) +</a:t>
             </a:r>
           </a:p>
           <a:p>
             <a:r>
-              <a:rPr lang="en-US" sz="1200" dirty="0"/>
+              <a:rPr lang="en-US" sz="1200" dirty="0">
+                <a:solidFill>
+                  <a:schemeClr val="bg1"/>
+                </a:solidFill>
+              </a:rPr>
               <a:t>        </a:t>
             </a:r>
             <a:r>
-              <a:rPr lang="en-US" sz="1200" dirty="0" err="1"/>
+              <a:rPr lang="en-US" sz="1200" dirty="0" err="1">
+                <a:solidFill>
+                  <a:schemeClr val="bg1"/>
+                </a:solidFill>
+              </a:rPr>
               <a:t>ggtitle</a:t>
             </a:r>
             <a:r>
-              <a:rPr lang="en-US" sz="1200" dirty="0"/>
+              <a:rPr lang="en-US" sz="1200" dirty="0">
+                <a:solidFill>
+                  <a:schemeClr val="bg1"/>
+                </a:solidFill>
+              </a:rPr>
               <a:t>("Total spend by country") +</a:t>
             </a:r>
           </a:p>
           <a:p>
             <a:r>
-              <a:rPr lang="en-US" sz="1200" dirty="0"/>
+              <a:rPr lang="en-US" sz="1200" dirty="0">
+                <a:solidFill>
+                  <a:schemeClr val="bg1"/>
+                </a:solidFill>
+              </a:rPr>
               <a:t>        </a:t>
             </a:r>
             <a:r>
-              <a:rPr lang="en-US" sz="1200" dirty="0" err="1"/>
+              <a:rPr lang="en-US" sz="1200" dirty="0" err="1">
+                <a:solidFill>
+                  <a:schemeClr val="bg1"/>
+                </a:solidFill>
+              </a:rPr>
               <a:t>theme_minimal</a:t>
             </a:r>
             <a:r>
-              <a:rPr lang="en-US" sz="1200" dirty="0"/>
+              <a:rPr lang="en-US" sz="1200" dirty="0">
+                <a:solidFill>
+                  <a:schemeClr val="bg1"/>
+                </a:solidFill>
+              </a:rPr>
               <a:t>()</a:t>
             </a:r>
           </a:p>
@@ -9328,13 +9611,13 @@
                   <a:srgbClr val="0070C0"/>
                 </a:solidFill>
               </a:rPr>
-              <a:t>klipboard</a:t>
+              <a:t>klipboard.</a:t>
             </a:r>
           </a:p>
           <a:p>
             <a:r>
               <a:rPr lang="da-DK" dirty="0"/>
-              <a:t>Eller du kan sende dem over i en PowerPoint så de er klar til din præsentation</a:t>
+              <a:t>Eller du kan oprette en PowerPoint så du er klar til din præsentation.</a:t>
             </a:r>
           </a:p>
           <a:p>
